--- a/ppt/codegendev-selfintro-ToshikiIga.pptx
+++ b/ppt/codegendev-selfintro-ToshikiIga.pptx
@@ -6200,6 +6200,26 @@
               <a:rPr lang="en-US" altLang="ja-JP" sz="2400" dirty="0" err="1" smtClean="0"/>
               <a:t>codegendev</a:t>
             </a:r>
+            <a:r>
+              <a:rPr lang="ja-JP" altLang="en-US" sz="2400" dirty="0"/>
+              <a:t> </a:t>
+            </a:r>
+            <a:r>
+              <a:rPr lang="en-US" altLang="ja-JP" sz="2400" dirty="0" smtClean="0"/>
+              <a:t>#</a:t>
+            </a:r>
+            <a:r>
+              <a:rPr lang="en-US" altLang="ja-JP" sz="2400" dirty="0" err="1" smtClean="0"/>
+              <a:t>coedo</a:t>
+            </a:r>
+            <a:r>
+              <a:rPr lang="en-US" altLang="ja-JP" sz="2400" dirty="0" smtClean="0"/>
+              <a:t> #</a:t>
+            </a:r>
+            <a:r>
+              <a:rPr lang="en-US" altLang="ja-JP" sz="2400" dirty="0" err="1" smtClean="0"/>
+              <a:t>igapyon</a:t>
+            </a:r>
             <a:endParaRPr lang="en-US" altLang="ja-JP" sz="2400" dirty="0" smtClean="0"/>
           </a:p>
           <a:p>
